--- a/storage/templates/ppt-text1.pptx
+++ b/storage/templates/ppt-text1.pptx
@@ -8,7 +8,7 @@
     <p:sldId id="256" r:id="rId3"/>
   </p:sldIdLst>
   <p:sldSz cx="9144000" cy="5143500"/>
-  <p:notesSz cx="6858000" cy="9144000"/>
+  <p:notesSz cx="7559675" cy="10691812"/>
 </p:presentation>
 </file>
 
@@ -53,7 +53,7 @@
       </p:grpSpPr>
       <p:sp>
         <p:nvSpPr>
-          <p:cNvPr id="24" name="PlaceHolder 1"/>
+          <p:cNvPr id="23" name="PlaceHolder 1"/>
           <p:cNvSpPr>
             <a:spLocks noGrp="1"/>
           </p:cNvSpPr>
@@ -64,7 +64,7 @@
         <p:spPr>
           <a:xfrm>
             <a:off x="311760" y="744480"/>
-            <a:ext cx="8520120" cy="2052360"/>
+            <a:ext cx="8519400" cy="2051640"/>
           </a:xfrm>
           <a:prstGeom prst="rect">
             <a:avLst/>
@@ -75,18 +75,16 @@
             <a:noAutofit/>
           </a:bodyPr>
           <a:p>
-            <a:endParaRPr b="0" lang="en-US" sz="1400" spc="-1" strike="noStrike">
-              <a:solidFill>
-                <a:srgbClr val="000000"/>
-              </a:solidFill>
-              <a:latin typeface="Arial"/>
-            </a:endParaRPr>
-          </a:p>
-        </p:txBody>
-      </p:sp>
-      <p:sp>
-        <p:nvSpPr>
-          <p:cNvPr id="25" name="PlaceHolder 2"/>
+            <a:pPr algn="ctr"/>
+            <a:endParaRPr b="0" lang="en-US" sz="4400" spc="-1" strike="noStrike">
+              <a:latin typeface="Arial"/>
+            </a:endParaRPr>
+          </a:p>
+        </p:txBody>
+      </p:sp>
+      <p:sp>
+        <p:nvSpPr>
+          <p:cNvPr id="24" name="PlaceHolder 2"/>
           <p:cNvSpPr>
             <a:spLocks noGrp="1"/>
           </p:cNvSpPr>
@@ -97,7 +95,7 @@
         <p:spPr>
           <a:xfrm>
             <a:off x="457200" y="1203480"/>
-            <a:ext cx="8229240" cy="1422720"/>
+            <a:ext cx="8228880" cy="1422360"/>
           </a:xfrm>
           <a:prstGeom prst="rect">
             <a:avLst/>
@@ -108,18 +106,15 @@
             <a:normAutofit/>
           </a:bodyPr>
           <a:p>
-            <a:endParaRPr b="0" lang="en-US" sz="1400" spc="-1" strike="noStrike">
-              <a:solidFill>
-                <a:srgbClr val="000000"/>
-              </a:solidFill>
-              <a:latin typeface="Arial"/>
-            </a:endParaRPr>
-          </a:p>
-        </p:txBody>
-      </p:sp>
-      <p:sp>
-        <p:nvSpPr>
-          <p:cNvPr id="26" name="PlaceHolder 3"/>
+            <a:endParaRPr b="0" lang="en-US" sz="3200" spc="-1" strike="noStrike">
+              <a:latin typeface="Arial"/>
+            </a:endParaRPr>
+          </a:p>
+        </p:txBody>
+      </p:sp>
+      <p:sp>
+        <p:nvSpPr>
+          <p:cNvPr id="25" name="PlaceHolder 3"/>
           <p:cNvSpPr>
             <a:spLocks noGrp="1"/>
           </p:cNvSpPr>
@@ -129,8 +124,8 @@
         </p:nvSpPr>
         <p:spPr>
           <a:xfrm>
-            <a:off x="457200" y="2761920"/>
-            <a:ext cx="8229240" cy="1422720"/>
+            <a:off x="457200" y="2761200"/>
+            <a:ext cx="8228880" cy="1422360"/>
           </a:xfrm>
           <a:prstGeom prst="rect">
             <a:avLst/>
@@ -141,10 +136,7 @@
             <a:normAutofit/>
           </a:bodyPr>
           <a:p>
-            <a:endParaRPr b="0" lang="en-US" sz="1400" spc="-1" strike="noStrike">
-              <a:solidFill>
-                <a:srgbClr val="000000"/>
-              </a:solidFill>
+            <a:endParaRPr b="0" lang="en-US" sz="3200" spc="-1" strike="noStrike">
               <a:latin typeface="Arial"/>
             </a:endParaRPr>
           </a:p>
@@ -174,7 +166,7 @@
       </p:grpSpPr>
       <p:sp>
         <p:nvSpPr>
-          <p:cNvPr id="27" name="PlaceHolder 1"/>
+          <p:cNvPr id="26" name="PlaceHolder 1"/>
           <p:cNvSpPr>
             <a:spLocks noGrp="1"/>
           </p:cNvSpPr>
@@ -185,7 +177,7 @@
         <p:spPr>
           <a:xfrm>
             <a:off x="311760" y="744480"/>
-            <a:ext cx="8520120" cy="2052360"/>
+            <a:ext cx="8519400" cy="2051640"/>
           </a:xfrm>
           <a:prstGeom prst="rect">
             <a:avLst/>
@@ -196,18 +188,16 @@
             <a:noAutofit/>
           </a:bodyPr>
           <a:p>
-            <a:endParaRPr b="0" lang="en-US" sz="1400" spc="-1" strike="noStrike">
-              <a:solidFill>
-                <a:srgbClr val="000000"/>
-              </a:solidFill>
-              <a:latin typeface="Arial"/>
-            </a:endParaRPr>
-          </a:p>
-        </p:txBody>
-      </p:sp>
-      <p:sp>
-        <p:nvSpPr>
-          <p:cNvPr id="28" name="PlaceHolder 2"/>
+            <a:pPr algn="ctr"/>
+            <a:endParaRPr b="0" lang="en-US" sz="4400" spc="-1" strike="noStrike">
+              <a:latin typeface="Arial"/>
+            </a:endParaRPr>
+          </a:p>
+        </p:txBody>
+      </p:sp>
+      <p:sp>
+        <p:nvSpPr>
+          <p:cNvPr id="27" name="PlaceHolder 2"/>
           <p:cNvSpPr>
             <a:spLocks noGrp="1"/>
           </p:cNvSpPr>
@@ -218,7 +208,7 @@
         <p:spPr>
           <a:xfrm>
             <a:off x="457200" y="1203480"/>
-            <a:ext cx="4015800" cy="1422720"/>
+            <a:ext cx="4015440" cy="1422360"/>
           </a:xfrm>
           <a:prstGeom prst="rect">
             <a:avLst/>
@@ -229,18 +219,15 @@
             <a:normAutofit/>
           </a:bodyPr>
           <a:p>
-            <a:endParaRPr b="0" lang="en-US" sz="1400" spc="-1" strike="noStrike">
-              <a:solidFill>
-                <a:srgbClr val="000000"/>
-              </a:solidFill>
-              <a:latin typeface="Arial"/>
-            </a:endParaRPr>
-          </a:p>
-        </p:txBody>
-      </p:sp>
-      <p:sp>
-        <p:nvSpPr>
-          <p:cNvPr id="29" name="PlaceHolder 3"/>
+            <a:endParaRPr b="0" lang="en-US" sz="3200" spc="-1" strike="noStrike">
+              <a:latin typeface="Arial"/>
+            </a:endParaRPr>
+          </a:p>
+        </p:txBody>
+      </p:sp>
+      <p:sp>
+        <p:nvSpPr>
+          <p:cNvPr id="28" name="PlaceHolder 3"/>
           <p:cNvSpPr>
             <a:spLocks noGrp="1"/>
           </p:cNvSpPr>
@@ -250,8 +237,8 @@
         </p:nvSpPr>
         <p:spPr>
           <a:xfrm>
-            <a:off x="4674240" y="1203480"/>
-            <a:ext cx="4015800" cy="1422720"/>
+            <a:off x="4673880" y="1203480"/>
+            <a:ext cx="4015440" cy="1422360"/>
           </a:xfrm>
           <a:prstGeom prst="rect">
             <a:avLst/>
@@ -262,18 +249,15 @@
             <a:normAutofit/>
           </a:bodyPr>
           <a:p>
-            <a:endParaRPr b="0" lang="en-US" sz="1400" spc="-1" strike="noStrike">
-              <a:solidFill>
-                <a:srgbClr val="000000"/>
-              </a:solidFill>
-              <a:latin typeface="Arial"/>
-            </a:endParaRPr>
-          </a:p>
-        </p:txBody>
-      </p:sp>
-      <p:sp>
-        <p:nvSpPr>
-          <p:cNvPr id="30" name="PlaceHolder 4"/>
+            <a:endParaRPr b="0" lang="en-US" sz="3200" spc="-1" strike="noStrike">
+              <a:latin typeface="Arial"/>
+            </a:endParaRPr>
+          </a:p>
+        </p:txBody>
+      </p:sp>
+      <p:sp>
+        <p:nvSpPr>
+          <p:cNvPr id="29" name="PlaceHolder 4"/>
           <p:cNvSpPr>
             <a:spLocks noGrp="1"/>
           </p:cNvSpPr>
@@ -283,8 +267,8 @@
         </p:nvSpPr>
         <p:spPr>
           <a:xfrm>
-            <a:off x="457200" y="2761920"/>
-            <a:ext cx="4015800" cy="1422720"/>
+            <a:off x="457200" y="2761200"/>
+            <a:ext cx="4015440" cy="1422360"/>
           </a:xfrm>
           <a:prstGeom prst="rect">
             <a:avLst/>
@@ -295,18 +279,15 @@
             <a:normAutofit/>
           </a:bodyPr>
           <a:p>
-            <a:endParaRPr b="0" lang="en-US" sz="1400" spc="-1" strike="noStrike">
-              <a:solidFill>
-                <a:srgbClr val="000000"/>
-              </a:solidFill>
-              <a:latin typeface="Arial"/>
-            </a:endParaRPr>
-          </a:p>
-        </p:txBody>
-      </p:sp>
-      <p:sp>
-        <p:nvSpPr>
-          <p:cNvPr id="31" name="PlaceHolder 5"/>
+            <a:endParaRPr b="0" lang="en-US" sz="3200" spc="-1" strike="noStrike">
+              <a:latin typeface="Arial"/>
+            </a:endParaRPr>
+          </a:p>
+        </p:txBody>
+      </p:sp>
+      <p:sp>
+        <p:nvSpPr>
+          <p:cNvPr id="30" name="PlaceHolder 5"/>
           <p:cNvSpPr>
             <a:spLocks noGrp="1"/>
           </p:cNvSpPr>
@@ -316,8 +297,8 @@
         </p:nvSpPr>
         <p:spPr>
           <a:xfrm>
-            <a:off x="4674240" y="2761920"/>
-            <a:ext cx="4015800" cy="1422720"/>
+            <a:off x="4673880" y="2761200"/>
+            <a:ext cx="4015440" cy="1422360"/>
           </a:xfrm>
           <a:prstGeom prst="rect">
             <a:avLst/>
@@ -328,10 +309,7 @@
             <a:normAutofit/>
           </a:bodyPr>
           <a:p>
-            <a:endParaRPr b="0" lang="en-US" sz="1400" spc="-1" strike="noStrike">
-              <a:solidFill>
-                <a:srgbClr val="000000"/>
-              </a:solidFill>
+            <a:endParaRPr b="0" lang="en-US" sz="3200" spc="-1" strike="noStrike">
               <a:latin typeface="Arial"/>
             </a:endParaRPr>
           </a:p>
@@ -361,7 +339,7 @@
       </p:grpSpPr>
       <p:sp>
         <p:nvSpPr>
-          <p:cNvPr id="32" name="PlaceHolder 1"/>
+          <p:cNvPr id="31" name="PlaceHolder 1"/>
           <p:cNvSpPr>
             <a:spLocks noGrp="1"/>
           </p:cNvSpPr>
@@ -372,7 +350,7 @@
         <p:spPr>
           <a:xfrm>
             <a:off x="311760" y="744480"/>
-            <a:ext cx="8520120" cy="2052360"/>
+            <a:ext cx="8519400" cy="2051640"/>
           </a:xfrm>
           <a:prstGeom prst="rect">
             <a:avLst/>
@@ -383,18 +361,16 @@
             <a:noAutofit/>
           </a:bodyPr>
           <a:p>
-            <a:endParaRPr b="0" lang="en-US" sz="1400" spc="-1" strike="noStrike">
-              <a:solidFill>
-                <a:srgbClr val="000000"/>
-              </a:solidFill>
-              <a:latin typeface="Arial"/>
-            </a:endParaRPr>
-          </a:p>
-        </p:txBody>
-      </p:sp>
-      <p:sp>
-        <p:nvSpPr>
-          <p:cNvPr id="33" name="PlaceHolder 2"/>
+            <a:pPr algn="ctr"/>
+            <a:endParaRPr b="0" lang="en-US" sz="4400" spc="-1" strike="noStrike">
+              <a:latin typeface="Arial"/>
+            </a:endParaRPr>
+          </a:p>
+        </p:txBody>
+      </p:sp>
+      <p:sp>
+        <p:nvSpPr>
+          <p:cNvPr id="32" name="PlaceHolder 2"/>
           <p:cNvSpPr>
             <a:spLocks noGrp="1"/>
           </p:cNvSpPr>
@@ -405,7 +381,7 @@
         <p:spPr>
           <a:xfrm>
             <a:off x="457200" y="1203480"/>
-            <a:ext cx="2649600" cy="1422720"/>
+            <a:ext cx="2649600" cy="1422360"/>
           </a:xfrm>
           <a:prstGeom prst="rect">
             <a:avLst/>
@@ -416,18 +392,15 @@
             <a:normAutofit/>
           </a:bodyPr>
           <a:p>
-            <a:endParaRPr b="0" lang="en-US" sz="1400" spc="-1" strike="noStrike">
-              <a:solidFill>
-                <a:srgbClr val="000000"/>
-              </a:solidFill>
-              <a:latin typeface="Arial"/>
-            </a:endParaRPr>
-          </a:p>
-        </p:txBody>
-      </p:sp>
-      <p:sp>
-        <p:nvSpPr>
-          <p:cNvPr id="34" name="PlaceHolder 3"/>
+            <a:endParaRPr b="0" lang="en-US" sz="3200" spc="-1" strike="noStrike">
+              <a:latin typeface="Arial"/>
+            </a:endParaRPr>
+          </a:p>
+        </p:txBody>
+      </p:sp>
+      <p:sp>
+        <p:nvSpPr>
+          <p:cNvPr id="33" name="PlaceHolder 3"/>
           <p:cNvSpPr>
             <a:spLocks noGrp="1"/>
           </p:cNvSpPr>
@@ -438,7 +411,7 @@
         <p:spPr>
           <a:xfrm>
             <a:off x="3239640" y="1203480"/>
-            <a:ext cx="2649600" cy="1422720"/>
+            <a:ext cx="2649600" cy="1422360"/>
           </a:xfrm>
           <a:prstGeom prst="rect">
             <a:avLst/>
@@ -449,18 +422,15 @@
             <a:normAutofit/>
           </a:bodyPr>
           <a:p>
-            <a:endParaRPr b="0" lang="en-US" sz="1400" spc="-1" strike="noStrike">
-              <a:solidFill>
-                <a:srgbClr val="000000"/>
-              </a:solidFill>
-              <a:latin typeface="Arial"/>
-            </a:endParaRPr>
-          </a:p>
-        </p:txBody>
-      </p:sp>
-      <p:sp>
-        <p:nvSpPr>
-          <p:cNvPr id="35" name="PlaceHolder 4"/>
+            <a:endParaRPr b="0" lang="en-US" sz="3200" spc="-1" strike="noStrike">
+              <a:latin typeface="Arial"/>
+            </a:endParaRPr>
+          </a:p>
+        </p:txBody>
+      </p:sp>
+      <p:sp>
+        <p:nvSpPr>
+          <p:cNvPr id="34" name="PlaceHolder 4"/>
           <p:cNvSpPr>
             <a:spLocks noGrp="1"/>
           </p:cNvSpPr>
@@ -471,7 +441,7 @@
         <p:spPr>
           <a:xfrm>
             <a:off x="6022080" y="1203480"/>
-            <a:ext cx="2649600" cy="1422720"/>
+            <a:ext cx="2649600" cy="1422360"/>
           </a:xfrm>
           <a:prstGeom prst="rect">
             <a:avLst/>
@@ -482,18 +452,15 @@
             <a:normAutofit/>
           </a:bodyPr>
           <a:p>
-            <a:endParaRPr b="0" lang="en-US" sz="1400" spc="-1" strike="noStrike">
-              <a:solidFill>
-                <a:srgbClr val="000000"/>
-              </a:solidFill>
-              <a:latin typeface="Arial"/>
-            </a:endParaRPr>
-          </a:p>
-        </p:txBody>
-      </p:sp>
-      <p:sp>
-        <p:nvSpPr>
-          <p:cNvPr id="36" name="PlaceHolder 5"/>
+            <a:endParaRPr b="0" lang="en-US" sz="3200" spc="-1" strike="noStrike">
+              <a:latin typeface="Arial"/>
+            </a:endParaRPr>
+          </a:p>
+        </p:txBody>
+      </p:sp>
+      <p:sp>
+        <p:nvSpPr>
+          <p:cNvPr id="35" name="PlaceHolder 5"/>
           <p:cNvSpPr>
             <a:spLocks noGrp="1"/>
           </p:cNvSpPr>
@@ -503,8 +470,8 @@
         </p:nvSpPr>
         <p:spPr>
           <a:xfrm>
-            <a:off x="457200" y="2761920"/>
-            <a:ext cx="2649600" cy="1422720"/>
+            <a:off x="457200" y="2761200"/>
+            <a:ext cx="2649600" cy="1422360"/>
           </a:xfrm>
           <a:prstGeom prst="rect">
             <a:avLst/>
@@ -515,18 +482,15 @@
             <a:normAutofit/>
           </a:bodyPr>
           <a:p>
-            <a:endParaRPr b="0" lang="en-US" sz="1400" spc="-1" strike="noStrike">
-              <a:solidFill>
-                <a:srgbClr val="000000"/>
-              </a:solidFill>
-              <a:latin typeface="Arial"/>
-            </a:endParaRPr>
-          </a:p>
-        </p:txBody>
-      </p:sp>
-      <p:sp>
-        <p:nvSpPr>
-          <p:cNvPr id="37" name="PlaceHolder 6"/>
+            <a:endParaRPr b="0" lang="en-US" sz="3200" spc="-1" strike="noStrike">
+              <a:latin typeface="Arial"/>
+            </a:endParaRPr>
+          </a:p>
+        </p:txBody>
+      </p:sp>
+      <p:sp>
+        <p:nvSpPr>
+          <p:cNvPr id="36" name="PlaceHolder 6"/>
           <p:cNvSpPr>
             <a:spLocks noGrp="1"/>
           </p:cNvSpPr>
@@ -536,8 +500,8 @@
         </p:nvSpPr>
         <p:spPr>
           <a:xfrm>
-            <a:off x="3239640" y="2761920"/>
-            <a:ext cx="2649600" cy="1422720"/>
+            <a:off x="3239640" y="2761200"/>
+            <a:ext cx="2649600" cy="1422360"/>
           </a:xfrm>
           <a:prstGeom prst="rect">
             <a:avLst/>
@@ -548,18 +512,15 @@
             <a:normAutofit/>
           </a:bodyPr>
           <a:p>
-            <a:endParaRPr b="0" lang="en-US" sz="1400" spc="-1" strike="noStrike">
-              <a:solidFill>
-                <a:srgbClr val="000000"/>
-              </a:solidFill>
-              <a:latin typeface="Arial"/>
-            </a:endParaRPr>
-          </a:p>
-        </p:txBody>
-      </p:sp>
-      <p:sp>
-        <p:nvSpPr>
-          <p:cNvPr id="38" name="PlaceHolder 7"/>
+            <a:endParaRPr b="0" lang="en-US" sz="3200" spc="-1" strike="noStrike">
+              <a:latin typeface="Arial"/>
+            </a:endParaRPr>
+          </a:p>
+        </p:txBody>
+      </p:sp>
+      <p:sp>
+        <p:nvSpPr>
+          <p:cNvPr id="37" name="PlaceHolder 7"/>
           <p:cNvSpPr>
             <a:spLocks noGrp="1"/>
           </p:cNvSpPr>
@@ -569,8 +530,8 @@
         </p:nvSpPr>
         <p:spPr>
           <a:xfrm>
-            <a:off x="6022080" y="2761920"/>
-            <a:ext cx="2649600" cy="1422720"/>
+            <a:off x="6022080" y="2761200"/>
+            <a:ext cx="2649600" cy="1422360"/>
           </a:xfrm>
           <a:prstGeom prst="rect">
             <a:avLst/>
@@ -581,10 +542,7 @@
             <a:normAutofit/>
           </a:bodyPr>
           <a:p>
-            <a:endParaRPr b="0" lang="en-US" sz="1400" spc="-1" strike="noStrike">
-              <a:solidFill>
-                <a:srgbClr val="000000"/>
-              </a:solidFill>
+            <a:endParaRPr b="0" lang="en-US" sz="3200" spc="-1" strike="noStrike">
               <a:latin typeface="Arial"/>
             </a:endParaRPr>
           </a:p>
@@ -614,7 +572,7 @@
       </p:grpSpPr>
       <p:sp>
         <p:nvSpPr>
-          <p:cNvPr id="3" name="PlaceHolder 1"/>
+          <p:cNvPr id="2" name="PlaceHolder 1"/>
           <p:cNvSpPr>
             <a:spLocks noGrp="1"/>
           </p:cNvSpPr>
@@ -625,7 +583,7 @@
         <p:spPr>
           <a:xfrm>
             <a:off x="311760" y="744480"/>
-            <a:ext cx="8520120" cy="2052360"/>
+            <a:ext cx="8519400" cy="2051640"/>
           </a:xfrm>
           <a:prstGeom prst="rect">
             <a:avLst/>
@@ -636,18 +594,16 @@
             <a:noAutofit/>
           </a:bodyPr>
           <a:p>
-            <a:endParaRPr b="0" lang="en-US" sz="1400" spc="-1" strike="noStrike">
-              <a:solidFill>
-                <a:srgbClr val="000000"/>
-              </a:solidFill>
-              <a:latin typeface="Arial"/>
-            </a:endParaRPr>
-          </a:p>
-        </p:txBody>
-      </p:sp>
-      <p:sp>
-        <p:nvSpPr>
-          <p:cNvPr id="4" name="PlaceHolder 2"/>
+            <a:pPr algn="ctr"/>
+            <a:endParaRPr b="0" lang="en-US" sz="4400" spc="-1" strike="noStrike">
+              <a:latin typeface="Arial"/>
+            </a:endParaRPr>
+          </a:p>
+        </p:txBody>
+      </p:sp>
+      <p:sp>
+        <p:nvSpPr>
+          <p:cNvPr id="3" name="PlaceHolder 2"/>
           <p:cNvSpPr>
             <a:spLocks noGrp="1"/>
           </p:cNvSpPr>
@@ -658,7 +614,7 @@
         <p:spPr>
           <a:xfrm>
             <a:off x="457200" y="1203480"/>
-            <a:ext cx="8229240" cy="2982960"/>
+            <a:ext cx="8228880" cy="2982600"/>
           </a:xfrm>
           <a:prstGeom prst="rect">
             <a:avLst/>
@@ -700,7 +656,7 @@
       </p:grpSpPr>
       <p:sp>
         <p:nvSpPr>
-          <p:cNvPr id="5" name="PlaceHolder 1"/>
+          <p:cNvPr id="4" name="PlaceHolder 1"/>
           <p:cNvSpPr>
             <a:spLocks noGrp="1"/>
           </p:cNvSpPr>
@@ -711,7 +667,7 @@
         <p:spPr>
           <a:xfrm>
             <a:off x="311760" y="744480"/>
-            <a:ext cx="8520120" cy="2052360"/>
+            <a:ext cx="8519400" cy="2051640"/>
           </a:xfrm>
           <a:prstGeom prst="rect">
             <a:avLst/>
@@ -722,18 +678,16 @@
             <a:noAutofit/>
           </a:bodyPr>
           <a:p>
-            <a:endParaRPr b="0" lang="en-US" sz="1400" spc="-1" strike="noStrike">
-              <a:solidFill>
-                <a:srgbClr val="000000"/>
-              </a:solidFill>
-              <a:latin typeface="Arial"/>
-            </a:endParaRPr>
-          </a:p>
-        </p:txBody>
-      </p:sp>
-      <p:sp>
-        <p:nvSpPr>
-          <p:cNvPr id="6" name="PlaceHolder 2"/>
+            <a:pPr algn="ctr"/>
+            <a:endParaRPr b="0" lang="en-US" sz="4400" spc="-1" strike="noStrike">
+              <a:latin typeface="Arial"/>
+            </a:endParaRPr>
+          </a:p>
+        </p:txBody>
+      </p:sp>
+      <p:sp>
+        <p:nvSpPr>
+          <p:cNvPr id="5" name="PlaceHolder 2"/>
           <p:cNvSpPr>
             <a:spLocks noGrp="1"/>
           </p:cNvSpPr>
@@ -744,7 +698,7 @@
         <p:spPr>
           <a:xfrm>
             <a:off x="457200" y="1203480"/>
-            <a:ext cx="8229240" cy="2982960"/>
+            <a:ext cx="8228880" cy="2982600"/>
           </a:xfrm>
           <a:prstGeom prst="rect">
             <a:avLst/>
@@ -755,10 +709,7 @@
             <a:normAutofit/>
           </a:bodyPr>
           <a:p>
-            <a:endParaRPr b="0" lang="en-US" sz="1400" spc="-1" strike="noStrike">
-              <a:solidFill>
-                <a:srgbClr val="000000"/>
-              </a:solidFill>
+            <a:endParaRPr b="0" lang="en-US" sz="3200" spc="-1" strike="noStrike">
               <a:latin typeface="Arial"/>
             </a:endParaRPr>
           </a:p>
@@ -788,7 +739,7 @@
       </p:grpSpPr>
       <p:sp>
         <p:nvSpPr>
-          <p:cNvPr id="7" name="PlaceHolder 1"/>
+          <p:cNvPr id="6" name="PlaceHolder 1"/>
           <p:cNvSpPr>
             <a:spLocks noGrp="1"/>
           </p:cNvSpPr>
@@ -799,7 +750,7 @@
         <p:spPr>
           <a:xfrm>
             <a:off x="311760" y="744480"/>
-            <a:ext cx="8520120" cy="2052360"/>
+            <a:ext cx="8519400" cy="2051640"/>
           </a:xfrm>
           <a:prstGeom prst="rect">
             <a:avLst/>
@@ -810,18 +761,16 @@
             <a:noAutofit/>
           </a:bodyPr>
           <a:p>
-            <a:endParaRPr b="0" lang="en-US" sz="1400" spc="-1" strike="noStrike">
-              <a:solidFill>
-                <a:srgbClr val="000000"/>
-              </a:solidFill>
-              <a:latin typeface="Arial"/>
-            </a:endParaRPr>
-          </a:p>
-        </p:txBody>
-      </p:sp>
-      <p:sp>
-        <p:nvSpPr>
-          <p:cNvPr id="8" name="PlaceHolder 2"/>
+            <a:pPr algn="ctr"/>
+            <a:endParaRPr b="0" lang="en-US" sz="4400" spc="-1" strike="noStrike">
+              <a:latin typeface="Arial"/>
+            </a:endParaRPr>
+          </a:p>
+        </p:txBody>
+      </p:sp>
+      <p:sp>
+        <p:nvSpPr>
+          <p:cNvPr id="7" name="PlaceHolder 2"/>
           <p:cNvSpPr>
             <a:spLocks noGrp="1"/>
           </p:cNvSpPr>
@@ -832,7 +781,7 @@
         <p:spPr>
           <a:xfrm>
             <a:off x="457200" y="1203480"/>
-            <a:ext cx="4015800" cy="2982960"/>
+            <a:ext cx="4015440" cy="2982600"/>
           </a:xfrm>
           <a:prstGeom prst="rect">
             <a:avLst/>
@@ -843,18 +792,15 @@
             <a:normAutofit/>
           </a:bodyPr>
           <a:p>
-            <a:endParaRPr b="0" lang="en-US" sz="1400" spc="-1" strike="noStrike">
-              <a:solidFill>
-                <a:srgbClr val="000000"/>
-              </a:solidFill>
-              <a:latin typeface="Arial"/>
-            </a:endParaRPr>
-          </a:p>
-        </p:txBody>
-      </p:sp>
-      <p:sp>
-        <p:nvSpPr>
-          <p:cNvPr id="9" name="PlaceHolder 3"/>
+            <a:endParaRPr b="0" lang="en-US" sz="3200" spc="-1" strike="noStrike">
+              <a:latin typeface="Arial"/>
+            </a:endParaRPr>
+          </a:p>
+        </p:txBody>
+      </p:sp>
+      <p:sp>
+        <p:nvSpPr>
+          <p:cNvPr id="8" name="PlaceHolder 3"/>
           <p:cNvSpPr>
             <a:spLocks noGrp="1"/>
           </p:cNvSpPr>
@@ -864,8 +810,8 @@
         </p:nvSpPr>
         <p:spPr>
           <a:xfrm>
-            <a:off x="4674240" y="1203480"/>
-            <a:ext cx="4015800" cy="2982960"/>
+            <a:off x="4673880" y="1203480"/>
+            <a:ext cx="4015440" cy="2982600"/>
           </a:xfrm>
           <a:prstGeom prst="rect">
             <a:avLst/>
@@ -876,10 +822,7 @@
             <a:normAutofit/>
           </a:bodyPr>
           <a:p>
-            <a:endParaRPr b="0" lang="en-US" sz="1400" spc="-1" strike="noStrike">
-              <a:solidFill>
-                <a:srgbClr val="000000"/>
-              </a:solidFill>
+            <a:endParaRPr b="0" lang="en-US" sz="3200" spc="-1" strike="noStrike">
               <a:latin typeface="Arial"/>
             </a:endParaRPr>
           </a:p>
@@ -909,7 +852,7 @@
       </p:grpSpPr>
       <p:sp>
         <p:nvSpPr>
-          <p:cNvPr id="10" name="PlaceHolder 1"/>
+          <p:cNvPr id="9" name="PlaceHolder 1"/>
           <p:cNvSpPr>
             <a:spLocks noGrp="1"/>
           </p:cNvSpPr>
@@ -920,7 +863,7 @@
         <p:spPr>
           <a:xfrm>
             <a:off x="311760" y="744480"/>
-            <a:ext cx="8520120" cy="2052360"/>
+            <a:ext cx="8519400" cy="2051640"/>
           </a:xfrm>
           <a:prstGeom prst="rect">
             <a:avLst/>
@@ -931,10 +874,8 @@
             <a:noAutofit/>
           </a:bodyPr>
           <a:p>
-            <a:endParaRPr b="0" lang="en-US" sz="1400" spc="-1" strike="noStrike">
-              <a:solidFill>
-                <a:srgbClr val="000000"/>
-              </a:solidFill>
+            <a:pPr algn="ctr"/>
+            <a:endParaRPr b="0" lang="en-US" sz="4400" spc="-1" strike="noStrike">
               <a:latin typeface="Arial"/>
             </a:endParaRPr>
           </a:p>
@@ -964,7 +905,7 @@
       </p:grpSpPr>
       <p:sp>
         <p:nvSpPr>
-          <p:cNvPr id="11" name="PlaceHolder 1"/>
+          <p:cNvPr id="10" name="PlaceHolder 1"/>
           <p:cNvSpPr>
             <a:spLocks noGrp="1"/>
           </p:cNvSpPr>
@@ -975,7 +916,7 @@
         <p:spPr>
           <a:xfrm>
             <a:off x="311760" y="744480"/>
-            <a:ext cx="8520120" cy="9514800"/>
+            <a:ext cx="8519400" cy="9511560"/>
           </a:xfrm>
           <a:prstGeom prst="rect">
             <a:avLst/>
@@ -1017,7 +958,7 @@
       </p:grpSpPr>
       <p:sp>
         <p:nvSpPr>
-          <p:cNvPr id="12" name="PlaceHolder 1"/>
+          <p:cNvPr id="11" name="PlaceHolder 1"/>
           <p:cNvSpPr>
             <a:spLocks noGrp="1"/>
           </p:cNvSpPr>
@@ -1028,7 +969,7 @@
         <p:spPr>
           <a:xfrm>
             <a:off x="311760" y="744480"/>
-            <a:ext cx="8520120" cy="2052360"/>
+            <a:ext cx="8519400" cy="2051640"/>
           </a:xfrm>
           <a:prstGeom prst="rect">
             <a:avLst/>
@@ -1039,18 +980,16 @@
             <a:noAutofit/>
           </a:bodyPr>
           <a:p>
-            <a:endParaRPr b="0" lang="en-US" sz="1400" spc="-1" strike="noStrike">
-              <a:solidFill>
-                <a:srgbClr val="000000"/>
-              </a:solidFill>
-              <a:latin typeface="Arial"/>
-            </a:endParaRPr>
-          </a:p>
-        </p:txBody>
-      </p:sp>
-      <p:sp>
-        <p:nvSpPr>
-          <p:cNvPr id="13" name="PlaceHolder 2"/>
+            <a:pPr algn="ctr"/>
+            <a:endParaRPr b="0" lang="en-US" sz="4400" spc="-1" strike="noStrike">
+              <a:latin typeface="Arial"/>
+            </a:endParaRPr>
+          </a:p>
+        </p:txBody>
+      </p:sp>
+      <p:sp>
+        <p:nvSpPr>
+          <p:cNvPr id="12" name="PlaceHolder 2"/>
           <p:cNvSpPr>
             <a:spLocks noGrp="1"/>
           </p:cNvSpPr>
@@ -1061,7 +1000,7 @@
         <p:spPr>
           <a:xfrm>
             <a:off x="457200" y="1203480"/>
-            <a:ext cx="4015800" cy="1422720"/>
+            <a:ext cx="4015440" cy="1422360"/>
           </a:xfrm>
           <a:prstGeom prst="rect">
             <a:avLst/>
@@ -1072,18 +1011,15 @@
             <a:normAutofit/>
           </a:bodyPr>
           <a:p>
-            <a:endParaRPr b="0" lang="en-US" sz="1400" spc="-1" strike="noStrike">
-              <a:solidFill>
-                <a:srgbClr val="000000"/>
-              </a:solidFill>
-              <a:latin typeface="Arial"/>
-            </a:endParaRPr>
-          </a:p>
-        </p:txBody>
-      </p:sp>
-      <p:sp>
-        <p:nvSpPr>
-          <p:cNvPr id="14" name="PlaceHolder 3"/>
+            <a:endParaRPr b="0" lang="en-US" sz="3200" spc="-1" strike="noStrike">
+              <a:latin typeface="Arial"/>
+            </a:endParaRPr>
+          </a:p>
+        </p:txBody>
+      </p:sp>
+      <p:sp>
+        <p:nvSpPr>
+          <p:cNvPr id="13" name="PlaceHolder 3"/>
           <p:cNvSpPr>
             <a:spLocks noGrp="1"/>
           </p:cNvSpPr>
@@ -1093,8 +1029,8 @@
         </p:nvSpPr>
         <p:spPr>
           <a:xfrm>
-            <a:off x="4674240" y="1203480"/>
-            <a:ext cx="4015800" cy="2982960"/>
+            <a:off x="4673880" y="1203480"/>
+            <a:ext cx="4015440" cy="2982600"/>
           </a:xfrm>
           <a:prstGeom prst="rect">
             <a:avLst/>
@@ -1105,18 +1041,15 @@
             <a:normAutofit/>
           </a:bodyPr>
           <a:p>
-            <a:endParaRPr b="0" lang="en-US" sz="1400" spc="-1" strike="noStrike">
-              <a:solidFill>
-                <a:srgbClr val="000000"/>
-              </a:solidFill>
-              <a:latin typeface="Arial"/>
-            </a:endParaRPr>
-          </a:p>
-        </p:txBody>
-      </p:sp>
-      <p:sp>
-        <p:nvSpPr>
-          <p:cNvPr id="15" name="PlaceHolder 4"/>
+            <a:endParaRPr b="0" lang="en-US" sz="3200" spc="-1" strike="noStrike">
+              <a:latin typeface="Arial"/>
+            </a:endParaRPr>
+          </a:p>
+        </p:txBody>
+      </p:sp>
+      <p:sp>
+        <p:nvSpPr>
+          <p:cNvPr id="14" name="PlaceHolder 4"/>
           <p:cNvSpPr>
             <a:spLocks noGrp="1"/>
           </p:cNvSpPr>
@@ -1126,8 +1059,8 @@
         </p:nvSpPr>
         <p:spPr>
           <a:xfrm>
-            <a:off x="457200" y="2761920"/>
-            <a:ext cx="4015800" cy="1422720"/>
+            <a:off x="457200" y="2761200"/>
+            <a:ext cx="4015440" cy="1422360"/>
           </a:xfrm>
           <a:prstGeom prst="rect">
             <a:avLst/>
@@ -1138,10 +1071,7 @@
             <a:normAutofit/>
           </a:bodyPr>
           <a:p>
-            <a:endParaRPr b="0" lang="en-US" sz="1400" spc="-1" strike="noStrike">
-              <a:solidFill>
-                <a:srgbClr val="000000"/>
-              </a:solidFill>
+            <a:endParaRPr b="0" lang="en-US" sz="3200" spc="-1" strike="noStrike">
               <a:latin typeface="Arial"/>
             </a:endParaRPr>
           </a:p>
@@ -1171,7 +1101,7 @@
       </p:grpSpPr>
       <p:sp>
         <p:nvSpPr>
-          <p:cNvPr id="16" name="PlaceHolder 1"/>
+          <p:cNvPr id="15" name="PlaceHolder 1"/>
           <p:cNvSpPr>
             <a:spLocks noGrp="1"/>
           </p:cNvSpPr>
@@ -1182,7 +1112,7 @@
         <p:spPr>
           <a:xfrm>
             <a:off x="311760" y="744480"/>
-            <a:ext cx="8520120" cy="2052360"/>
+            <a:ext cx="8519400" cy="2051640"/>
           </a:xfrm>
           <a:prstGeom prst="rect">
             <a:avLst/>
@@ -1193,18 +1123,16 @@
             <a:noAutofit/>
           </a:bodyPr>
           <a:p>
-            <a:endParaRPr b="0" lang="en-US" sz="1400" spc="-1" strike="noStrike">
-              <a:solidFill>
-                <a:srgbClr val="000000"/>
-              </a:solidFill>
-              <a:latin typeface="Arial"/>
-            </a:endParaRPr>
-          </a:p>
-        </p:txBody>
-      </p:sp>
-      <p:sp>
-        <p:nvSpPr>
-          <p:cNvPr id="17" name="PlaceHolder 2"/>
+            <a:pPr algn="ctr"/>
+            <a:endParaRPr b="0" lang="en-US" sz="4400" spc="-1" strike="noStrike">
+              <a:latin typeface="Arial"/>
+            </a:endParaRPr>
+          </a:p>
+        </p:txBody>
+      </p:sp>
+      <p:sp>
+        <p:nvSpPr>
+          <p:cNvPr id="16" name="PlaceHolder 2"/>
           <p:cNvSpPr>
             <a:spLocks noGrp="1"/>
           </p:cNvSpPr>
@@ -1215,7 +1143,7 @@
         <p:spPr>
           <a:xfrm>
             <a:off x="457200" y="1203480"/>
-            <a:ext cx="4015800" cy="2982960"/>
+            <a:ext cx="4015440" cy="2982600"/>
           </a:xfrm>
           <a:prstGeom prst="rect">
             <a:avLst/>
@@ -1226,18 +1154,15 @@
             <a:normAutofit/>
           </a:bodyPr>
           <a:p>
-            <a:endParaRPr b="0" lang="en-US" sz="1400" spc="-1" strike="noStrike">
-              <a:solidFill>
-                <a:srgbClr val="000000"/>
-              </a:solidFill>
-              <a:latin typeface="Arial"/>
-            </a:endParaRPr>
-          </a:p>
-        </p:txBody>
-      </p:sp>
-      <p:sp>
-        <p:nvSpPr>
-          <p:cNvPr id="18" name="PlaceHolder 3"/>
+            <a:endParaRPr b="0" lang="en-US" sz="3200" spc="-1" strike="noStrike">
+              <a:latin typeface="Arial"/>
+            </a:endParaRPr>
+          </a:p>
+        </p:txBody>
+      </p:sp>
+      <p:sp>
+        <p:nvSpPr>
+          <p:cNvPr id="17" name="PlaceHolder 3"/>
           <p:cNvSpPr>
             <a:spLocks noGrp="1"/>
           </p:cNvSpPr>
@@ -1247,8 +1172,8 @@
         </p:nvSpPr>
         <p:spPr>
           <a:xfrm>
-            <a:off x="4674240" y="1203480"/>
-            <a:ext cx="4015800" cy="1422720"/>
+            <a:off x="4673880" y="1203480"/>
+            <a:ext cx="4015440" cy="1422360"/>
           </a:xfrm>
           <a:prstGeom prst="rect">
             <a:avLst/>
@@ -1259,18 +1184,15 @@
             <a:normAutofit/>
           </a:bodyPr>
           <a:p>
-            <a:endParaRPr b="0" lang="en-US" sz="1400" spc="-1" strike="noStrike">
-              <a:solidFill>
-                <a:srgbClr val="000000"/>
-              </a:solidFill>
-              <a:latin typeface="Arial"/>
-            </a:endParaRPr>
-          </a:p>
-        </p:txBody>
-      </p:sp>
-      <p:sp>
-        <p:nvSpPr>
-          <p:cNvPr id="19" name="PlaceHolder 4"/>
+            <a:endParaRPr b="0" lang="en-US" sz="3200" spc="-1" strike="noStrike">
+              <a:latin typeface="Arial"/>
+            </a:endParaRPr>
+          </a:p>
+        </p:txBody>
+      </p:sp>
+      <p:sp>
+        <p:nvSpPr>
+          <p:cNvPr id="18" name="PlaceHolder 4"/>
           <p:cNvSpPr>
             <a:spLocks noGrp="1"/>
           </p:cNvSpPr>
@@ -1280,8 +1202,8 @@
         </p:nvSpPr>
         <p:spPr>
           <a:xfrm>
-            <a:off x="4674240" y="2761920"/>
-            <a:ext cx="4015800" cy="1422720"/>
+            <a:off x="4673880" y="2761200"/>
+            <a:ext cx="4015440" cy="1422360"/>
           </a:xfrm>
           <a:prstGeom prst="rect">
             <a:avLst/>
@@ -1292,10 +1214,7 @@
             <a:normAutofit/>
           </a:bodyPr>
           <a:p>
-            <a:endParaRPr b="0" lang="en-US" sz="1400" spc="-1" strike="noStrike">
-              <a:solidFill>
-                <a:srgbClr val="000000"/>
-              </a:solidFill>
+            <a:endParaRPr b="0" lang="en-US" sz="3200" spc="-1" strike="noStrike">
               <a:latin typeface="Arial"/>
             </a:endParaRPr>
           </a:p>
@@ -1325,7 +1244,7 @@
       </p:grpSpPr>
       <p:sp>
         <p:nvSpPr>
-          <p:cNvPr id="20" name="PlaceHolder 1"/>
+          <p:cNvPr id="19" name="PlaceHolder 1"/>
           <p:cNvSpPr>
             <a:spLocks noGrp="1"/>
           </p:cNvSpPr>
@@ -1336,7 +1255,7 @@
         <p:spPr>
           <a:xfrm>
             <a:off x="311760" y="744480"/>
-            <a:ext cx="8520120" cy="2052360"/>
+            <a:ext cx="8519400" cy="2051640"/>
           </a:xfrm>
           <a:prstGeom prst="rect">
             <a:avLst/>
@@ -1347,18 +1266,16 @@
             <a:noAutofit/>
           </a:bodyPr>
           <a:p>
-            <a:endParaRPr b="0" lang="en-US" sz="1400" spc="-1" strike="noStrike">
-              <a:solidFill>
-                <a:srgbClr val="000000"/>
-              </a:solidFill>
-              <a:latin typeface="Arial"/>
-            </a:endParaRPr>
-          </a:p>
-        </p:txBody>
-      </p:sp>
-      <p:sp>
-        <p:nvSpPr>
-          <p:cNvPr id="21" name="PlaceHolder 2"/>
+            <a:pPr algn="ctr"/>
+            <a:endParaRPr b="0" lang="en-US" sz="4400" spc="-1" strike="noStrike">
+              <a:latin typeface="Arial"/>
+            </a:endParaRPr>
+          </a:p>
+        </p:txBody>
+      </p:sp>
+      <p:sp>
+        <p:nvSpPr>
+          <p:cNvPr id="20" name="PlaceHolder 2"/>
           <p:cNvSpPr>
             <a:spLocks noGrp="1"/>
           </p:cNvSpPr>
@@ -1369,7 +1286,7 @@
         <p:spPr>
           <a:xfrm>
             <a:off x="457200" y="1203480"/>
-            <a:ext cx="4015800" cy="1422720"/>
+            <a:ext cx="4015440" cy="1422360"/>
           </a:xfrm>
           <a:prstGeom prst="rect">
             <a:avLst/>
@@ -1380,18 +1297,15 @@
             <a:normAutofit/>
           </a:bodyPr>
           <a:p>
-            <a:endParaRPr b="0" lang="en-US" sz="1400" spc="-1" strike="noStrike">
-              <a:solidFill>
-                <a:srgbClr val="000000"/>
-              </a:solidFill>
-              <a:latin typeface="Arial"/>
-            </a:endParaRPr>
-          </a:p>
-        </p:txBody>
-      </p:sp>
-      <p:sp>
-        <p:nvSpPr>
-          <p:cNvPr id="22" name="PlaceHolder 3"/>
+            <a:endParaRPr b="0" lang="en-US" sz="3200" spc="-1" strike="noStrike">
+              <a:latin typeface="Arial"/>
+            </a:endParaRPr>
+          </a:p>
+        </p:txBody>
+      </p:sp>
+      <p:sp>
+        <p:nvSpPr>
+          <p:cNvPr id="21" name="PlaceHolder 3"/>
           <p:cNvSpPr>
             <a:spLocks noGrp="1"/>
           </p:cNvSpPr>
@@ -1401,8 +1315,8 @@
         </p:nvSpPr>
         <p:spPr>
           <a:xfrm>
-            <a:off x="4674240" y="1203480"/>
-            <a:ext cx="4015800" cy="1422720"/>
+            <a:off x="4673880" y="1203480"/>
+            <a:ext cx="4015440" cy="1422360"/>
           </a:xfrm>
           <a:prstGeom prst="rect">
             <a:avLst/>
@@ -1413,18 +1327,15 @@
             <a:normAutofit/>
           </a:bodyPr>
           <a:p>
-            <a:endParaRPr b="0" lang="en-US" sz="1400" spc="-1" strike="noStrike">
-              <a:solidFill>
-                <a:srgbClr val="000000"/>
-              </a:solidFill>
-              <a:latin typeface="Arial"/>
-            </a:endParaRPr>
-          </a:p>
-        </p:txBody>
-      </p:sp>
-      <p:sp>
-        <p:nvSpPr>
-          <p:cNvPr id="23" name="PlaceHolder 4"/>
+            <a:endParaRPr b="0" lang="en-US" sz="3200" spc="-1" strike="noStrike">
+              <a:latin typeface="Arial"/>
+            </a:endParaRPr>
+          </a:p>
+        </p:txBody>
+      </p:sp>
+      <p:sp>
+        <p:nvSpPr>
+          <p:cNvPr id="22" name="PlaceHolder 4"/>
           <p:cNvSpPr>
             <a:spLocks noGrp="1"/>
           </p:cNvSpPr>
@@ -1434,8 +1345,8 @@
         </p:nvSpPr>
         <p:spPr>
           <a:xfrm>
-            <a:off x="457200" y="2761920"/>
-            <a:ext cx="8229240" cy="1422720"/>
+            <a:off x="457200" y="2761200"/>
+            <a:ext cx="8228880" cy="1422360"/>
           </a:xfrm>
           <a:prstGeom prst="rect">
             <a:avLst/>
@@ -1446,10 +1357,7 @@
             <a:normAutofit/>
           </a:bodyPr>
           <a:p>
-            <a:endParaRPr b="0" lang="en-US" sz="1400" spc="-1" strike="noStrike">
-              <a:solidFill>
-                <a:srgbClr val="000000"/>
-              </a:solidFill>
+            <a:endParaRPr b="0" lang="en-US" sz="3200" spc="-1" strike="noStrike">
               <a:latin typeface="Arial"/>
             </a:endParaRPr>
           </a:p>
@@ -1497,31 +1405,25 @@
         <p:spPr>
           <a:xfrm>
             <a:off x="311760" y="744480"/>
-            <a:ext cx="8520120" cy="2052360"/>
-          </a:xfrm>
-          <a:prstGeom prst="rect">
-            <a:avLst/>
-          </a:prstGeom>
-        </p:spPr>
-        <p:txBody>
-          <a:bodyPr tIns="91440" bIns="91440" anchor="b">
-            <a:normAutofit/>
+            <a:ext cx="8519400" cy="2051640"/>
+          </a:xfrm>
+          <a:prstGeom prst="rect">
+            <a:avLst/>
+          </a:prstGeom>
+        </p:spPr>
+        <p:txBody>
+          <a:bodyPr lIns="0" rIns="0" tIns="0" bIns="0" anchor="ctr">
+            <a:noAutofit/>
           </a:bodyPr>
           <a:p>
             <a:pPr algn="ctr"/>
             <a:r>
-              <a:rPr b="0" lang="en-US" sz="5200" spc="-1" strike="noStrike">
-                <a:solidFill>
-                  <a:srgbClr val="000000"/>
-                </a:solidFill>
+              <a:rPr b="0" lang="en-US" sz="1800" spc="-1" strike="noStrike">
                 <a:latin typeface="Arial"/>
               </a:rPr>
               <a:t>Click to edit the title text format</a:t>
             </a:r>
-            <a:endParaRPr b="0" lang="en-US" sz="5200" spc="-1" strike="noStrike">
-              <a:solidFill>
-                <a:srgbClr val="000000"/>
-              </a:solidFill>
+            <a:endParaRPr b="0" lang="en-US" sz="1800" spc="-1" strike="noStrike">
               <a:latin typeface="Arial"/>
             </a:endParaRPr>
           </a:p>
@@ -1534,61 +1436,13 @@
             <a:spLocks noGrp="1"/>
           </p:cNvSpPr>
           <p:nvPr>
-            <p:ph type="sldNum"/>
-          </p:nvPr>
-        </p:nvSpPr>
-        <p:spPr>
-          <a:xfrm>
-            <a:off x="8472600" y="4663080"/>
-            <a:ext cx="548280" cy="393120"/>
-          </a:xfrm>
-          <a:prstGeom prst="rect">
-            <a:avLst/>
-          </a:prstGeom>
-        </p:spPr>
-        <p:txBody>
-          <a:bodyPr tIns="91440" bIns="91440" anchor="ctr">
-            <a:normAutofit/>
-          </a:bodyPr>
-          <a:p>
-            <a:pPr algn="r">
-              <a:lnSpc>
-                <a:spcPct val="100000"/>
-              </a:lnSpc>
-              <a:tabLst>
-                <a:tab algn="l" pos="0"/>
-              </a:tabLst>
-            </a:pPr>
-            <a:fld id="{091C9766-3FFF-47C1-90EB-F1DF7580A17F}" type="slidenum">
-              <a:rPr b="0" lang="en" sz="1000" spc="-1" strike="noStrike">
-                <a:solidFill>
-                  <a:srgbClr val="595959"/>
-                </a:solidFill>
-                <a:latin typeface="Arial"/>
-                <a:ea typeface="Arial"/>
-              </a:rPr>
-              <a:t>&lt;number&gt;</a:t>
-            </a:fld>
-            <a:endParaRPr b="0" lang="en-US" sz="1000" spc="-1" strike="noStrike">
-              <a:latin typeface="Times New Roman"/>
-            </a:endParaRPr>
-          </a:p>
-        </p:txBody>
-      </p:sp>
-      <p:sp>
-        <p:nvSpPr>
-          <p:cNvPr id="2" name="PlaceHolder 3"/>
-          <p:cNvSpPr>
-            <a:spLocks noGrp="1"/>
-          </p:cNvSpPr>
-          <p:nvPr>
             <p:ph type="body"/>
           </p:nvPr>
         </p:nvSpPr>
         <p:spPr>
           <a:xfrm>
             <a:off x="457200" y="1203480"/>
-            <a:ext cx="8229240" cy="2982960"/>
+            <a:ext cx="8228880" cy="2982600"/>
           </a:xfrm>
           <a:prstGeom prst="rect">
             <a:avLst/>
@@ -1599,7 +1453,7 @@
             <a:normAutofit/>
           </a:bodyPr>
           <a:p>
-            <a:pPr marL="432000" indent="-324000">
+            <a:pPr marL="432000" indent="-324000" algn="ctr">
               <a:spcBef>
                 <a:spcPts val="1417"/>
               </a:spcBef>
@@ -1611,23 +1465,17 @@
               <a:buChar char=""/>
             </a:pPr>
             <a:r>
-              <a:rPr b="0" lang="en-US" sz="1400" spc="-1" strike="noStrike">
-                <a:solidFill>
-                  <a:srgbClr val="000000"/>
-                </a:solidFill>
+              <a:rPr b="0" lang="en-US" sz="1800" spc="-1" strike="noStrike">
                 <a:latin typeface="Arial"/>
               </a:rPr>
               <a:t>Click to edit the outline text format</a:t>
             </a:r>
-            <a:endParaRPr b="0" lang="en-US" sz="1400" spc="-1" strike="noStrike">
-              <a:solidFill>
-                <a:srgbClr val="000000"/>
-              </a:solidFill>
-              <a:latin typeface="Arial"/>
-            </a:endParaRPr>
-          </a:p>
-          <a:p>
-            <a:pPr lvl="1" marL="864000" indent="-324000">
+            <a:endParaRPr b="0" lang="en-US" sz="1800" spc="-1" strike="noStrike">
+              <a:latin typeface="Arial"/>
+            </a:endParaRPr>
+          </a:p>
+          <a:p>
+            <a:pPr lvl="1" marL="864000" indent="-324000" algn="ctr">
               <a:spcBef>
                 <a:spcPts val="1134"/>
               </a:spcBef>
@@ -1639,23 +1487,17 @@
               <a:buChar char=""/>
             </a:pPr>
             <a:r>
-              <a:rPr b="0" lang="en-US" sz="1400" spc="-1" strike="noStrike">
-                <a:solidFill>
-                  <a:srgbClr val="000000"/>
-                </a:solidFill>
+              <a:rPr b="0" lang="en-US" sz="1800" spc="-1" strike="noStrike">
                 <a:latin typeface="Arial"/>
               </a:rPr>
               <a:t>Second Outline Level</a:t>
             </a:r>
-            <a:endParaRPr b="0" lang="en-US" sz="1400" spc="-1" strike="noStrike">
-              <a:solidFill>
-                <a:srgbClr val="000000"/>
-              </a:solidFill>
-              <a:latin typeface="Arial"/>
-            </a:endParaRPr>
-          </a:p>
-          <a:p>
-            <a:pPr lvl="2" marL="1296000" indent="-288000">
+            <a:endParaRPr b="0" lang="en-US" sz="1800" spc="-1" strike="noStrike">
+              <a:latin typeface="Arial"/>
+            </a:endParaRPr>
+          </a:p>
+          <a:p>
+            <a:pPr lvl="2" marL="1296000" indent="-288000" algn="ctr">
               <a:spcBef>
                 <a:spcPts val="850"/>
               </a:spcBef>
@@ -1667,23 +1509,17 @@
               <a:buChar char=""/>
             </a:pPr>
             <a:r>
-              <a:rPr b="0" lang="en-US" sz="1400" spc="-1" strike="noStrike">
-                <a:solidFill>
-                  <a:srgbClr val="000000"/>
-                </a:solidFill>
+              <a:rPr b="0" lang="en-US" sz="1800" spc="-1" strike="noStrike">
                 <a:latin typeface="Arial"/>
               </a:rPr>
               <a:t>Third Outline Level</a:t>
             </a:r>
-            <a:endParaRPr b="0" lang="en-US" sz="1400" spc="-1" strike="noStrike">
-              <a:solidFill>
-                <a:srgbClr val="000000"/>
-              </a:solidFill>
-              <a:latin typeface="Arial"/>
-            </a:endParaRPr>
-          </a:p>
-          <a:p>
-            <a:pPr lvl="3" marL="1728000" indent="-216000">
+            <a:endParaRPr b="0" lang="en-US" sz="1800" spc="-1" strike="noStrike">
+              <a:latin typeface="Arial"/>
+            </a:endParaRPr>
+          </a:p>
+          <a:p>
+            <a:pPr lvl="3" marL="1728000" indent="-216000" algn="ctr">
               <a:spcBef>
                 <a:spcPts val="567"/>
               </a:spcBef>
@@ -1695,23 +1531,17 @@
               <a:buChar char=""/>
             </a:pPr>
             <a:r>
-              <a:rPr b="0" lang="en-US" sz="1400" spc="-1" strike="noStrike">
-                <a:solidFill>
-                  <a:srgbClr val="000000"/>
-                </a:solidFill>
+              <a:rPr b="0" lang="en-US" sz="1800" spc="-1" strike="noStrike">
                 <a:latin typeface="Arial"/>
               </a:rPr>
               <a:t>Fourth Outline Level</a:t>
             </a:r>
-            <a:endParaRPr b="0" lang="en-US" sz="1400" spc="-1" strike="noStrike">
-              <a:solidFill>
-                <a:srgbClr val="000000"/>
-              </a:solidFill>
-              <a:latin typeface="Arial"/>
-            </a:endParaRPr>
-          </a:p>
-          <a:p>
-            <a:pPr lvl="4" marL="2160000" indent="-216000">
+            <a:endParaRPr b="0" lang="en-US" sz="1800" spc="-1" strike="noStrike">
+              <a:latin typeface="Arial"/>
+            </a:endParaRPr>
+          </a:p>
+          <a:p>
+            <a:pPr lvl="4" marL="2160000" indent="-216000" algn="ctr">
               <a:spcBef>
                 <a:spcPts val="283"/>
               </a:spcBef>
@@ -1723,23 +1553,17 @@
               <a:buChar char=""/>
             </a:pPr>
             <a:r>
-              <a:rPr b="0" lang="en-US" sz="2000" spc="-1" strike="noStrike">
-                <a:solidFill>
-                  <a:srgbClr val="000000"/>
-                </a:solidFill>
+              <a:rPr b="0" lang="en-US" sz="1800" spc="-1" strike="noStrike">
                 <a:latin typeface="Arial"/>
               </a:rPr>
               <a:t>Fifth Outline Level</a:t>
             </a:r>
-            <a:endParaRPr b="0" lang="en-US" sz="2000" spc="-1" strike="noStrike">
-              <a:solidFill>
-                <a:srgbClr val="000000"/>
-              </a:solidFill>
-              <a:latin typeface="Arial"/>
-            </a:endParaRPr>
-          </a:p>
-          <a:p>
-            <a:pPr lvl="5" marL="2592000" indent="-216000">
+            <a:endParaRPr b="0" lang="en-US" sz="1800" spc="-1" strike="noStrike">
+              <a:latin typeface="Arial"/>
+            </a:endParaRPr>
+          </a:p>
+          <a:p>
+            <a:pPr lvl="5" marL="2592000" indent="-216000" algn="ctr">
               <a:spcBef>
                 <a:spcPts val="283"/>
               </a:spcBef>
@@ -1751,23 +1575,17 @@
               <a:buChar char=""/>
             </a:pPr>
             <a:r>
-              <a:rPr b="0" lang="en-US" sz="2000" spc="-1" strike="noStrike">
-                <a:solidFill>
-                  <a:srgbClr val="000000"/>
-                </a:solidFill>
+              <a:rPr b="0" lang="en-US" sz="1800" spc="-1" strike="noStrike">
                 <a:latin typeface="Arial"/>
               </a:rPr>
               <a:t>Sixth Outline Level</a:t>
             </a:r>
-            <a:endParaRPr b="0" lang="en-US" sz="2000" spc="-1" strike="noStrike">
-              <a:solidFill>
-                <a:srgbClr val="000000"/>
-              </a:solidFill>
-              <a:latin typeface="Arial"/>
-            </a:endParaRPr>
-          </a:p>
-          <a:p>
-            <a:pPr lvl="6" marL="3024000" indent="-216000">
+            <a:endParaRPr b="0" lang="en-US" sz="1800" spc="-1" strike="noStrike">
+              <a:latin typeface="Arial"/>
+            </a:endParaRPr>
+          </a:p>
+          <a:p>
+            <a:pPr lvl="6" marL="3024000" indent="-216000" algn="ctr">
               <a:spcBef>
                 <a:spcPts val="283"/>
               </a:spcBef>
@@ -1779,18 +1597,12 @@
               <a:buChar char=""/>
             </a:pPr>
             <a:r>
-              <a:rPr b="0" lang="en-US" sz="2000" spc="-1" strike="noStrike">
-                <a:solidFill>
-                  <a:srgbClr val="000000"/>
-                </a:solidFill>
+              <a:rPr b="0" lang="en-US" sz="1800" spc="-1" strike="noStrike">
                 <a:latin typeface="Arial"/>
               </a:rPr>
               <a:t>Seventh Outline Level</a:t>
             </a:r>
-            <a:endParaRPr b="0" lang="en-US" sz="2000" spc="-1" strike="noStrike">
-              <a:solidFill>
-                <a:srgbClr val="000000"/>
-              </a:solidFill>
+            <a:endParaRPr b="0" lang="en-US" sz="1800" spc="-1" strike="noStrike">
               <a:latin typeface="Arial"/>
             </a:endParaRPr>
           </a:p>
@@ -1835,14 +1647,14 @@
       </p:grpSpPr>
       <p:sp>
         <p:nvSpPr>
-          <p:cNvPr id="39" name="TextShape 1"/>
-          <p:cNvSpPr txBox="1"/>
+          <p:cNvPr id="38" name="CustomShape 1"/>
+          <p:cNvSpPr/>
           <p:nvPr/>
         </p:nvSpPr>
         <p:spPr>
           <a:xfrm>
             <a:off x="311760" y="2834280"/>
-            <a:ext cx="8520120" cy="792360"/>
+            <a:ext cx="8519400" cy="791640"/>
           </a:xfrm>
           <a:prstGeom prst="rect">
             <a:avLst/>
@@ -1852,8 +1664,14 @@
             <a:noFill/>
           </a:ln>
         </p:spPr>
-        <p:txBody>
-          <a:bodyPr tIns="91440" bIns="91440">
+        <p:style>
+          <a:lnRef idx="0"/>
+          <a:fillRef idx="0"/>
+          <a:effectRef idx="0"/>
+          <a:fontRef idx="minor"/>
+        </p:style>
+        <p:txBody>
+          <a:bodyPr lIns="90000" rIns="90000" tIns="91440" bIns="91440">
             <a:normAutofit/>
           </a:bodyPr>
           <a:p>
@@ -1883,14 +1701,14 @@
       </p:sp>
       <p:sp>
         <p:nvSpPr>
-          <p:cNvPr id="40" name="TextShape 2"/>
-          <p:cNvSpPr txBox="1"/>
+          <p:cNvPr id="39" name="CustomShape 2"/>
+          <p:cNvSpPr/>
           <p:nvPr/>
         </p:nvSpPr>
         <p:spPr>
           <a:xfrm>
             <a:off x="437760" y="3800160"/>
-            <a:ext cx="8520120" cy="792360"/>
+            <a:ext cx="8519400" cy="791640"/>
           </a:xfrm>
           <a:prstGeom prst="rect">
             <a:avLst/>
@@ -1900,8 +1718,14 @@
             <a:noFill/>
           </a:ln>
         </p:spPr>
-        <p:txBody>
-          <a:bodyPr tIns="91440" bIns="91440">
+        <p:style>
+          <a:lnRef idx="0"/>
+          <a:fillRef idx="0"/>
+          <a:effectRef idx="0"/>
+          <a:fontRef idx="minor"/>
+        </p:style>
+        <p:txBody>
+          <a:bodyPr lIns="90000" rIns="90000" tIns="91440" bIns="91440">
             <a:normAutofit/>
           </a:bodyPr>
           <a:p>
@@ -1931,14 +1755,14 @@
       </p:sp>
       <p:sp>
         <p:nvSpPr>
-          <p:cNvPr id="41" name="TextShape 3"/>
-          <p:cNvSpPr txBox="1"/>
+          <p:cNvPr id="40" name="CustomShape 3"/>
+          <p:cNvSpPr/>
           <p:nvPr/>
         </p:nvSpPr>
         <p:spPr>
           <a:xfrm>
             <a:off x="533520" y="1866960"/>
-            <a:ext cx="8017200" cy="618840"/>
+            <a:ext cx="8016480" cy="618120"/>
           </a:xfrm>
           <a:prstGeom prst="rect">
             <a:avLst/>
@@ -1948,8 +1772,14 @@
             <a:noFill/>
           </a:ln>
         </p:spPr>
-        <p:txBody>
-          <a:bodyPr tIns="91440" bIns="91440" anchor="b">
+        <p:style>
+          <a:lnRef idx="0"/>
+          <a:fillRef idx="0"/>
+          <a:effectRef idx="0"/>
+          <a:fontRef idx="minor"/>
+        </p:style>
+        <p:txBody>
+          <a:bodyPr lIns="90000" rIns="90000" tIns="91440" bIns="91440" anchor="b">
             <a:noAutofit/>
           </a:bodyPr>
           <a:p>
@@ -1969,24 +1799,21 @@
               <a:t>{eventTitle}</a:t>
             </a:r>
             <a:endParaRPr b="0" lang="en-US" sz="3600" spc="-1" strike="noStrike">
-              <a:solidFill>
-                <a:srgbClr val="000000"/>
-              </a:solidFill>
-              <a:latin typeface="Arial"/>
-            </a:endParaRPr>
-          </a:p>
-        </p:txBody>
-      </p:sp>
-      <p:sp>
-        <p:nvSpPr>
-          <p:cNvPr id="42" name="CustomShape 4"/>
+              <a:latin typeface="Arial"/>
+            </a:endParaRPr>
+          </a:p>
+        </p:txBody>
+      </p:sp>
+      <p:sp>
+        <p:nvSpPr>
+          <p:cNvPr id="41" name="CustomShape 4"/>
           <p:cNvSpPr/>
           <p:nvPr/>
         </p:nvSpPr>
         <p:spPr>
           <a:xfrm>
             <a:off x="533520" y="2369160"/>
-            <a:ext cx="8017200" cy="555120"/>
+            <a:ext cx="8016480" cy="554400"/>
           </a:xfrm>
           <a:prstGeom prst="rect">
             <a:avLst/>
@@ -2003,7 +1830,7 @@
           <a:fontRef idx="minor"/>
         </p:style>
         <p:txBody>
-          <a:bodyPr tIns="91440" bIns="91440" anchor="b">
+          <a:bodyPr lIns="90000" rIns="90000" tIns="91440" bIns="91440" anchor="b">
             <a:normAutofit fontScale="61000"/>
           </a:bodyPr>
           <a:p>
@@ -2030,14 +1857,14 @@
       </p:sp>
       <p:sp>
         <p:nvSpPr>
-          <p:cNvPr id="43" name="CustomShape 5"/>
+          <p:cNvPr id="42" name="CustomShape 5"/>
           <p:cNvSpPr/>
           <p:nvPr/>
         </p:nvSpPr>
         <p:spPr>
           <a:xfrm>
             <a:off x="2984400" y="645840"/>
-            <a:ext cx="5566680" cy="555120"/>
+            <a:ext cx="5565960" cy="554400"/>
           </a:xfrm>
           <a:prstGeom prst="rect">
             <a:avLst/>
@@ -2054,7 +1881,7 @@
           <a:fontRef idx="minor"/>
         </p:style>
         <p:txBody>
-          <a:bodyPr tIns="91440" bIns="91440" anchor="b">
+          <a:bodyPr lIns="90000" rIns="90000" tIns="91440" bIns="91440" anchor="b">
             <a:noAutofit/>
           </a:bodyPr>
           <a:p>
@@ -2081,14 +1908,14 @@
       </p:sp>
       <p:sp>
         <p:nvSpPr>
-          <p:cNvPr id="44" name="CustomShape 6"/>
+          <p:cNvPr id="43" name="CustomShape 6"/>
           <p:cNvSpPr/>
           <p:nvPr/>
         </p:nvSpPr>
         <p:spPr>
           <a:xfrm>
             <a:off x="563040" y="2855160"/>
-            <a:ext cx="8017200" cy="555120"/>
+            <a:ext cx="8016480" cy="554400"/>
           </a:xfrm>
           <a:prstGeom prst="rect">
             <a:avLst/>
@@ -2105,7 +1932,7 @@
           <a:fontRef idx="minor"/>
         </p:style>
         <p:txBody>
-          <a:bodyPr tIns="91440" bIns="91440" anchor="b">
+          <a:bodyPr lIns="90000" rIns="90000" tIns="91440" bIns="91440" anchor="b">
             <a:normAutofit/>
           </a:bodyPr>
           <a:p>
@@ -2132,14 +1959,14 @@
       </p:sp>
       <p:sp>
         <p:nvSpPr>
-          <p:cNvPr id="45" name="CustomShape 7"/>
+          <p:cNvPr id="44" name="CustomShape 7"/>
           <p:cNvSpPr/>
           <p:nvPr/>
         </p:nvSpPr>
         <p:spPr>
           <a:xfrm>
             <a:off x="563040" y="3292560"/>
-            <a:ext cx="8017200" cy="555120"/>
+            <a:ext cx="8016480" cy="554400"/>
           </a:xfrm>
           <a:prstGeom prst="rect">
             <a:avLst/>
@@ -2156,7 +1983,7 @@
           <a:fontRef idx="minor"/>
         </p:style>
         <p:txBody>
-          <a:bodyPr tIns="91440" bIns="91440" anchor="b">
+          <a:bodyPr lIns="90000" rIns="90000" tIns="91440" bIns="91440" anchor="b">
             <a:normAutofit/>
           </a:bodyPr>
           <a:p>
@@ -2183,14 +2010,14 @@
       </p:sp>
       <p:sp>
         <p:nvSpPr>
-          <p:cNvPr id="46" name="CustomShape 8"/>
+          <p:cNvPr id="45" name="CustomShape 8"/>
           <p:cNvSpPr/>
           <p:nvPr/>
         </p:nvSpPr>
         <p:spPr>
           <a:xfrm>
             <a:off x="574200" y="3835080"/>
-            <a:ext cx="8006400" cy="555120"/>
+            <a:ext cx="8005680" cy="554400"/>
           </a:xfrm>
           <a:prstGeom prst="rect">
             <a:avLst/>
@@ -2207,7 +2034,7 @@
           <a:fontRef idx="minor"/>
         </p:style>
         <p:txBody>
-          <a:bodyPr tIns="91440" bIns="91440" anchor="b">
+          <a:bodyPr lIns="90000" rIns="90000" tIns="91440" bIns="91440" anchor="b">
             <a:normAutofit/>
           </a:bodyPr>
           <a:p>
@@ -2234,7 +2061,7 @@
       </p:sp>
       <p:pic>
         <p:nvPicPr>
-          <p:cNvPr id="47" name="Picture 2" descr=""/>
+          <p:cNvPr id="46" name="Picture 2" descr=""/>
           <p:cNvPicPr/>
           <p:nvPr/>
         </p:nvPicPr>
@@ -2244,8 +2071,8 @@
         </p:blipFill>
         <p:spPr>
           <a:xfrm>
-            <a:off x="0" y="0"/>
-            <a:ext cx="9143640" cy="5143320"/>
+            <a:off x="0" y="1080"/>
+            <a:ext cx="9142920" cy="5142600"/>
           </a:xfrm>
           <a:prstGeom prst="rect">
             <a:avLst/>
@@ -2257,14 +2084,14 @@
       </p:pic>
       <p:sp>
         <p:nvSpPr>
-          <p:cNvPr id="48" name="CustomShape 9"/>
+          <p:cNvPr id="47" name="CustomShape 9"/>
           <p:cNvSpPr/>
           <p:nvPr/>
         </p:nvSpPr>
         <p:spPr>
           <a:xfrm>
             <a:off x="0" y="240480"/>
-            <a:ext cx="8320680" cy="577800"/>
+            <a:ext cx="8319960" cy="577080"/>
           </a:xfrm>
           <a:prstGeom prst="rect">
             <a:avLst/>
@@ -2308,14 +2135,14 @@
       </p:sp>
       <p:sp>
         <p:nvSpPr>
-          <p:cNvPr id="49" name="CustomShape 10"/>
+          <p:cNvPr id="48" name="CustomShape 10"/>
           <p:cNvSpPr/>
           <p:nvPr/>
         </p:nvSpPr>
         <p:spPr>
           <a:xfrm>
             <a:off x="2194560" y="1655640"/>
-            <a:ext cx="5988960" cy="456120"/>
+            <a:ext cx="5988240" cy="455400"/>
           </a:xfrm>
           <a:prstGeom prst="rect">
             <a:avLst/>
@@ -2359,14 +2186,14 @@
       </p:sp>
       <p:sp>
         <p:nvSpPr>
-          <p:cNvPr id="50" name="CustomShape 11"/>
+          <p:cNvPr id="49" name="CustomShape 11"/>
           <p:cNvSpPr/>
           <p:nvPr/>
         </p:nvSpPr>
         <p:spPr>
           <a:xfrm>
             <a:off x="2293560" y="2327040"/>
-            <a:ext cx="5889960" cy="577800"/>
+            <a:ext cx="5889240" cy="577080"/>
           </a:xfrm>
           <a:prstGeom prst="rect">
             <a:avLst/>
@@ -2410,14 +2237,14 @@
       </p:sp>
       <p:sp>
         <p:nvSpPr>
-          <p:cNvPr id="51" name="CustomShape 12"/>
+          <p:cNvPr id="50" name="CustomShape 12"/>
           <p:cNvSpPr/>
           <p:nvPr/>
         </p:nvSpPr>
         <p:spPr>
           <a:xfrm>
             <a:off x="3474720" y="3112200"/>
-            <a:ext cx="4708800" cy="364680"/>
+            <a:ext cx="4708080" cy="363960"/>
           </a:xfrm>
           <a:prstGeom prst="rect">
             <a:avLst/>
@@ -2461,14 +2288,14 @@
       </p:sp>
       <p:sp>
         <p:nvSpPr>
-          <p:cNvPr id="52" name="CustomShape 13"/>
+          <p:cNvPr id="51" name="CustomShape 13"/>
           <p:cNvSpPr/>
           <p:nvPr/>
         </p:nvSpPr>
         <p:spPr>
           <a:xfrm>
             <a:off x="5118480" y="4058280"/>
-            <a:ext cx="3065040" cy="303480"/>
+            <a:ext cx="3064320" cy="302760"/>
           </a:xfrm>
           <a:prstGeom prst="rect">
             <a:avLst/>
@@ -2512,14 +2339,14 @@
       </p:sp>
       <p:sp>
         <p:nvSpPr>
-          <p:cNvPr id="53" name="CustomShape 14"/>
+          <p:cNvPr id="52" name="CustomShape 14"/>
           <p:cNvSpPr/>
           <p:nvPr/>
         </p:nvSpPr>
         <p:spPr>
           <a:xfrm>
             <a:off x="2011680" y="4058280"/>
-            <a:ext cx="3065040" cy="303480"/>
+            <a:ext cx="3064320" cy="302760"/>
           </a:xfrm>
           <a:prstGeom prst="rect">
             <a:avLst/>
@@ -2554,6 +2381,261 @@
                 <a:ea typeface="Arial"/>
               </a:rPr>
               <a:t>{eventDate}</a:t>
+            </a:r>
+            <a:endParaRPr b="0" lang="en-US" sz="1400" spc="-1" strike="noStrike">
+              <a:latin typeface="Arial"/>
+            </a:endParaRPr>
+          </a:p>
+        </p:txBody>
+      </p:sp>
+      <p:sp>
+        <p:nvSpPr>
+          <p:cNvPr id="53" name="CustomShape 15"/>
+          <p:cNvSpPr/>
+          <p:nvPr/>
+        </p:nvSpPr>
+        <p:spPr>
+          <a:xfrm>
+            <a:off x="5118480" y="1371600"/>
+            <a:ext cx="3064320" cy="302760"/>
+          </a:xfrm>
+          <a:prstGeom prst="rect">
+            <a:avLst/>
+          </a:prstGeom>
+          <a:noFill/>
+          <a:ln>
+            <a:noFill/>
+          </a:ln>
+        </p:spPr>
+        <p:style>
+          <a:lnRef idx="0"/>
+          <a:fillRef idx="0"/>
+          <a:effectRef idx="0"/>
+          <a:fontRef idx="minor"/>
+        </p:style>
+        <p:txBody>
+          <a:bodyPr lIns="90000" rIns="90000" tIns="45000" bIns="45000">
+            <a:spAutoFit/>
+          </a:bodyPr>
+          <a:p>
+            <a:pPr algn="r">
+              <a:lnSpc>
+                <a:spcPct val="100000"/>
+              </a:lnSpc>
+            </a:pPr>
+            <a:r>
+              <a:rPr b="0" lang="en-US" sz="1400" spc="-1" strike="noStrike">
+                <a:solidFill>
+                  <a:srgbClr val="808080"/>
+                </a:solidFill>
+                <a:latin typeface="Manjari"/>
+                <a:ea typeface="Arial"/>
+              </a:rPr>
+              <a:t>Event Title:</a:t>
+            </a:r>
+            <a:endParaRPr b="0" lang="en-US" sz="1400" spc="-1" strike="noStrike">
+              <a:latin typeface="Arial"/>
+            </a:endParaRPr>
+          </a:p>
+        </p:txBody>
+      </p:sp>
+      <p:sp>
+        <p:nvSpPr>
+          <p:cNvPr id="54" name="CustomShape 16"/>
+          <p:cNvSpPr/>
+          <p:nvPr/>
+        </p:nvSpPr>
+        <p:spPr>
+          <a:xfrm>
+            <a:off x="5120640" y="2111400"/>
+            <a:ext cx="3064320" cy="302760"/>
+          </a:xfrm>
+          <a:prstGeom prst="rect">
+            <a:avLst/>
+          </a:prstGeom>
+          <a:noFill/>
+          <a:ln>
+            <a:noFill/>
+          </a:ln>
+        </p:spPr>
+        <p:style>
+          <a:lnRef idx="0"/>
+          <a:fillRef idx="0"/>
+          <a:effectRef idx="0"/>
+          <a:fontRef idx="minor"/>
+        </p:style>
+        <p:txBody>
+          <a:bodyPr lIns="90000" rIns="90000" tIns="45000" bIns="45000">
+            <a:spAutoFit/>
+          </a:bodyPr>
+          <a:p>
+            <a:pPr algn="r">
+              <a:lnSpc>
+                <a:spcPct val="100000"/>
+              </a:lnSpc>
+            </a:pPr>
+            <a:r>
+              <a:rPr b="0" lang="en-US" sz="1400" spc="-1" strike="noStrike">
+                <a:solidFill>
+                  <a:srgbClr val="808080"/>
+                </a:solidFill>
+                <a:latin typeface="Manjari"/>
+                <a:ea typeface="Arial"/>
+              </a:rPr>
+              <a:t>Participant Name:</a:t>
+            </a:r>
+            <a:endParaRPr b="0" lang="en-US" sz="1400" spc="-1" strike="noStrike">
+              <a:latin typeface="Arial"/>
+            </a:endParaRPr>
+          </a:p>
+        </p:txBody>
+      </p:sp>
+      <p:sp>
+        <p:nvSpPr>
+          <p:cNvPr id="55" name="CustomShape 17"/>
+          <p:cNvSpPr/>
+          <p:nvPr/>
+        </p:nvSpPr>
+        <p:spPr>
+          <a:xfrm>
+            <a:off x="5118480" y="2855160"/>
+            <a:ext cx="3064320" cy="302760"/>
+          </a:xfrm>
+          <a:prstGeom prst="rect">
+            <a:avLst/>
+          </a:prstGeom>
+          <a:noFill/>
+          <a:ln>
+            <a:noFill/>
+          </a:ln>
+        </p:spPr>
+        <p:style>
+          <a:lnRef idx="0"/>
+          <a:fillRef idx="0"/>
+          <a:effectRef idx="0"/>
+          <a:fontRef idx="minor"/>
+        </p:style>
+        <p:txBody>
+          <a:bodyPr lIns="90000" rIns="90000" tIns="45000" bIns="45000">
+            <a:spAutoFit/>
+          </a:bodyPr>
+          <a:p>
+            <a:pPr algn="r">
+              <a:lnSpc>
+                <a:spcPct val="100000"/>
+              </a:lnSpc>
+            </a:pPr>
+            <a:r>
+              <a:rPr b="0" lang="en-US" sz="1400" spc="-1" strike="noStrike">
+                <a:solidFill>
+                  <a:srgbClr val="808080"/>
+                </a:solidFill>
+                <a:latin typeface="Manjari"/>
+                <a:ea typeface="Arial"/>
+              </a:rPr>
+              <a:t>Role:</a:t>
+            </a:r>
+            <a:endParaRPr b="0" lang="en-US" sz="1400" spc="-1" strike="noStrike">
+              <a:latin typeface="Arial"/>
+            </a:endParaRPr>
+          </a:p>
+        </p:txBody>
+      </p:sp>
+      <p:sp>
+        <p:nvSpPr>
+          <p:cNvPr id="56" name="CustomShape 18"/>
+          <p:cNvSpPr/>
+          <p:nvPr/>
+        </p:nvSpPr>
+        <p:spPr>
+          <a:xfrm>
+            <a:off x="1964880" y="3720240"/>
+            <a:ext cx="3064320" cy="302760"/>
+          </a:xfrm>
+          <a:prstGeom prst="rect">
+            <a:avLst/>
+          </a:prstGeom>
+          <a:noFill/>
+          <a:ln>
+            <a:noFill/>
+          </a:ln>
+        </p:spPr>
+        <p:style>
+          <a:lnRef idx="0"/>
+          <a:fillRef idx="0"/>
+          <a:effectRef idx="0"/>
+          <a:fontRef idx="minor"/>
+        </p:style>
+        <p:txBody>
+          <a:bodyPr lIns="90000" rIns="90000" tIns="45000" bIns="45000">
+            <a:spAutoFit/>
+          </a:bodyPr>
+          <a:p>
+            <a:pPr algn="r">
+              <a:lnSpc>
+                <a:spcPct val="100000"/>
+              </a:lnSpc>
+            </a:pPr>
+            <a:r>
+              <a:rPr b="0" lang="en-US" sz="1400" spc="-1" strike="noStrike">
+                <a:solidFill>
+                  <a:srgbClr val="808080"/>
+                </a:solidFill>
+                <a:latin typeface="Manjari"/>
+                <a:ea typeface="Arial"/>
+              </a:rPr>
+              <a:t>Event Date:</a:t>
+            </a:r>
+            <a:endParaRPr b="0" lang="en-US" sz="1400" spc="-1" strike="noStrike">
+              <a:latin typeface="Arial"/>
+            </a:endParaRPr>
+          </a:p>
+        </p:txBody>
+      </p:sp>
+      <p:sp>
+        <p:nvSpPr>
+          <p:cNvPr id="57" name="CustomShape 19"/>
+          <p:cNvSpPr/>
+          <p:nvPr/>
+        </p:nvSpPr>
+        <p:spPr>
+          <a:xfrm>
+            <a:off x="5760720" y="3749040"/>
+            <a:ext cx="2422080" cy="303480"/>
+          </a:xfrm>
+          <a:prstGeom prst="rect">
+            <a:avLst/>
+          </a:prstGeom>
+          <a:noFill/>
+          <a:ln>
+            <a:noFill/>
+          </a:ln>
+        </p:spPr>
+        <p:style>
+          <a:lnRef idx="0"/>
+          <a:fillRef idx="0"/>
+          <a:effectRef idx="0"/>
+          <a:fontRef idx="minor"/>
+        </p:style>
+        <p:txBody>
+          <a:bodyPr lIns="90000" rIns="90000" tIns="45000" bIns="45000">
+            <a:spAutoFit/>
+          </a:bodyPr>
+          <a:p>
+            <a:pPr algn="r">
+              <a:lnSpc>
+                <a:spcPct val="100000"/>
+              </a:lnSpc>
+            </a:pPr>
+            <a:r>
+              <a:rPr b="0" lang="en-US" sz="1400" spc="-1" strike="noStrike">
+                <a:solidFill>
+                  <a:srgbClr val="808080"/>
+                </a:solidFill>
+                <a:latin typeface="Manjari"/>
+                <a:ea typeface="Arial"/>
+              </a:rPr>
+              <a:t>Certificate Number:</a:t>
             </a:r>
             <a:endParaRPr b="0" lang="en-US" sz="1400" spc="-1" strike="noStrike">
               <a:latin typeface="Arial"/>
